--- a/Распознавание лиц.pptx
+++ b/Распознавание лиц.pptx
@@ -813,7 +813,7 @@
   <p:cSld>
     <p:spTree>
       <p:nvGrpSpPr>
-        <p:cNvPr id="120" name="Shape 120"/>
+        <p:cNvPr id="118" name="Shape 118"/>
         <p:cNvGrpSpPr/>
         <p:nvPr/>
       </p:nvGrpSpPr>
@@ -827,7 +827,7 @@
       </p:grpSpPr>
       <p:sp>
         <p:nvSpPr>
-          <p:cNvPr id="121" name="Google Shape;121;g1dc050fae05_0_86:notes"/>
+          <p:cNvPr id="119" name="Google Shape;119;g2032cfe2b7a_0_40:notes"/>
           <p:cNvSpPr/>
           <p:nvPr>
             <p:ph idx="2" type="sldImg"/>
@@ -862,7 +862,7 @@
       </p:sp>
       <p:sp>
         <p:nvSpPr>
-          <p:cNvPr id="122" name="Google Shape;122;g1dc050fae05_0_86:notes"/>
+          <p:cNvPr id="120" name="Google Shape;120;g2032cfe2b7a_0_40:notes"/>
           <p:cNvSpPr txBox="1"/>
           <p:nvPr>
             <p:ph idx="1" type="body"/>
@@ -2114,7 +2114,7 @@
       </p:grpSpPr>
       <p:sp>
         <p:nvSpPr>
-          <p:cNvPr id="114" name="Google Shape;114;g2032cfe2b7a_0_40:notes"/>
+          <p:cNvPr id="114" name="Google Shape;114;g1dc050fae05_0_86:notes"/>
           <p:cNvSpPr/>
           <p:nvPr>
             <p:ph idx="2" type="sldImg"/>
@@ -2149,7 +2149,7 @@
       </p:sp>
       <p:sp>
         <p:nvSpPr>
-          <p:cNvPr id="115" name="Google Shape;115;g2032cfe2b7a_0_40:notes"/>
+          <p:cNvPr id="115" name="Google Shape;115;g1dc050fae05_0_86:notes"/>
           <p:cNvSpPr txBox="1"/>
           <p:nvPr>
             <p:ph idx="1" type="body"/>
@@ -6944,13 +6944,13 @@
         </p:spPr>
         <p:txBody>
           <a:bodyPr anchorCtr="0" anchor="t" bIns="91425" lIns="91425" spcFirstLastPara="1" rIns="91425" wrap="square" tIns="91425">
-            <a:normAutofit/>
+            <a:normAutofit fontScale="92500" lnSpcReduction="20000"/>
           </a:bodyPr>
           <a:lstStyle/>
           <a:p>
             <a:pPr indent="0" lvl="0" marL="0" rtl="0" algn="just">
               <a:lnSpc>
-                <a:spcPct val="80000"/>
+                <a:spcPct val="115000"/>
               </a:lnSpc>
               <a:spcBef>
                 <a:spcPts val="0"/>
@@ -6958,7 +6958,7 @@
               <a:spcAft>
                 <a:spcPts val="0"/>
               </a:spcAft>
-              <a:buSzPts val="935"/>
+              <a:buSzPct val="42500"/>
               <a:buNone/>
             </a:pPr>
             <a:r>
@@ -6978,7 +6978,7 @@
           <a:p>
             <a:pPr indent="0" lvl="0" marL="0" rtl="0" algn="just">
               <a:lnSpc>
-                <a:spcPct val="80000"/>
+                <a:spcPct val="115000"/>
               </a:lnSpc>
               <a:spcBef>
                 <a:spcPts val="0"/>
@@ -6986,7 +6986,7 @@
               <a:spcAft>
                 <a:spcPts val="0"/>
               </a:spcAft>
-              <a:buSzPts val="935"/>
+              <a:buSzPct val="42500"/>
               <a:buNone/>
             </a:pPr>
             <a:r>
@@ -7046,7 +7046,7 @@
   <p:cSld>
     <p:spTree>
       <p:nvGrpSpPr>
-        <p:cNvPr id="123" name="Shape 123"/>
+        <p:cNvPr id="121" name="Shape 121"/>
         <p:cNvGrpSpPr/>
         <p:nvPr/>
       </p:nvGrpSpPr>
@@ -7058,6 +7058,271 @@
           <a:chExt cx="0" cy="0"/>
         </a:xfrm>
       </p:grpSpPr>
+      <p:sp>
+        <p:nvSpPr>
+          <p:cNvPr id="122" name="Google Shape;122;p22"/>
+          <p:cNvSpPr txBox="1"/>
+          <p:nvPr>
+            <p:ph type="title"/>
+          </p:nvPr>
+        </p:nvSpPr>
+        <p:spPr>
+          <a:xfrm>
+            <a:off x="311700" y="166400"/>
+            <a:ext cx="8520600" cy="572700"/>
+          </a:xfrm>
+          <a:prstGeom prst="rect">
+            <a:avLst/>
+          </a:prstGeom>
+        </p:spPr>
+        <p:txBody>
+          <a:bodyPr anchorCtr="0" anchor="t" bIns="91425" lIns="91425" spcFirstLastPara="1" rIns="91425" wrap="square" tIns="91425">
+            <a:noAutofit/>
+          </a:bodyPr>
+          <a:lstStyle/>
+          <a:p>
+            <a:pPr indent="0" lvl="0" marL="0" rtl="0" algn="l">
+              <a:spcBef>
+                <a:spcPts val="0"/>
+              </a:spcBef>
+              <a:spcAft>
+                <a:spcPts val="0"/>
+              </a:spcAft>
+              <a:buSzPts val="990"/>
+              <a:buNone/>
+            </a:pPr>
+            <a:r>
+              <a:rPr lang="ru" sz="4011">
+                <a:solidFill>
+                  <a:schemeClr val="lt1"/>
+                </a:solidFill>
+              </a:rPr>
+              <a:t>Этапы в создании нейросети </a:t>
+            </a:r>
+            <a:endParaRPr sz="4011">
+              <a:solidFill>
+                <a:schemeClr val="lt1"/>
+              </a:solidFill>
+            </a:endParaRPr>
+          </a:p>
+          <a:p>
+            <a:pPr indent="0" lvl="0" marL="0" rtl="0" algn="l">
+              <a:spcBef>
+                <a:spcPts val="0"/>
+              </a:spcBef>
+              <a:spcAft>
+                <a:spcPts val="0"/>
+              </a:spcAft>
+              <a:buNone/>
+            </a:pPr>
+            <a:r>
+              <a:t/>
+            </a:r>
+            <a:endParaRPr sz="4011">
+              <a:solidFill>
+                <a:schemeClr val="lt1"/>
+              </a:solidFill>
+            </a:endParaRPr>
+          </a:p>
+        </p:txBody>
+      </p:sp>
+      <p:sp>
+        <p:nvSpPr>
+          <p:cNvPr id="123" name="Google Shape;123;p22"/>
+          <p:cNvSpPr txBox="1"/>
+          <p:nvPr>
+            <p:ph idx="1" type="body"/>
+          </p:nvPr>
+        </p:nvSpPr>
+        <p:spPr>
+          <a:xfrm>
+            <a:off x="311700" y="983600"/>
+            <a:ext cx="8884200" cy="3416400"/>
+          </a:xfrm>
+          <a:prstGeom prst="rect">
+            <a:avLst/>
+          </a:prstGeom>
+        </p:spPr>
+        <p:txBody>
+          <a:bodyPr anchorCtr="0" anchor="t" bIns="91425" lIns="91425" spcFirstLastPara="1" rIns="91425" wrap="square" tIns="91425">
+            <a:normAutofit/>
+          </a:bodyPr>
+          <a:lstStyle/>
+          <a:p>
+            <a:pPr indent="-355600" lvl="0" marL="457200" rtl="0" algn="l">
+              <a:spcBef>
+                <a:spcPts val="0"/>
+              </a:spcBef>
+              <a:spcAft>
+                <a:spcPts val="0"/>
+              </a:spcAft>
+              <a:buClr>
+                <a:schemeClr val="lt1"/>
+              </a:buClr>
+              <a:buSzPts val="2000"/>
+              <a:buAutoNum type="arabicPeriod"/>
+            </a:pPr>
+            <a:r>
+              <a:rPr lang="ru">
+                <a:solidFill>
+                  <a:schemeClr val="lt1"/>
+                </a:solidFill>
+              </a:rPr>
+              <a:t>Сбор и модификация данных для обучения</a:t>
+            </a:r>
+            <a:endParaRPr>
+              <a:solidFill>
+                <a:schemeClr val="lt1"/>
+              </a:solidFill>
+            </a:endParaRPr>
+          </a:p>
+          <a:p>
+            <a:pPr indent="-355600" lvl="0" marL="457200" rtl="0" algn="l">
+              <a:spcBef>
+                <a:spcPts val="0"/>
+              </a:spcBef>
+              <a:spcAft>
+                <a:spcPts val="0"/>
+              </a:spcAft>
+              <a:buClr>
+                <a:schemeClr val="lt1"/>
+              </a:buClr>
+              <a:buSzPts val="2000"/>
+              <a:buAutoNum type="arabicPeriod"/>
+            </a:pPr>
+            <a:r>
+              <a:rPr lang="ru">
+                <a:solidFill>
+                  <a:schemeClr val="lt1"/>
+                </a:solidFill>
+              </a:rPr>
+              <a:t>Создание датасета</a:t>
+            </a:r>
+            <a:endParaRPr>
+              <a:solidFill>
+                <a:schemeClr val="lt1"/>
+              </a:solidFill>
+            </a:endParaRPr>
+          </a:p>
+          <a:p>
+            <a:pPr indent="-355600" lvl="0" marL="457200" rtl="0" algn="l">
+              <a:spcBef>
+                <a:spcPts val="0"/>
+              </a:spcBef>
+              <a:spcAft>
+                <a:spcPts val="0"/>
+              </a:spcAft>
+              <a:buClr>
+                <a:schemeClr val="lt1"/>
+              </a:buClr>
+              <a:buSzPts val="2000"/>
+              <a:buAutoNum type="arabicPeriod"/>
+            </a:pPr>
+            <a:r>
+              <a:rPr lang="ru">
+                <a:solidFill>
+                  <a:schemeClr val="lt1"/>
+                </a:solidFill>
+              </a:rPr>
+              <a:t>Обучение нейросети</a:t>
+            </a:r>
+            <a:endParaRPr>
+              <a:solidFill>
+                <a:schemeClr val="lt1"/>
+              </a:solidFill>
+            </a:endParaRPr>
+          </a:p>
+          <a:p>
+            <a:pPr indent="-355600" lvl="0" marL="457200" rtl="0" algn="l">
+              <a:lnSpc>
+                <a:spcPct val="115000"/>
+              </a:lnSpc>
+              <a:spcBef>
+                <a:spcPts val="0"/>
+              </a:spcBef>
+              <a:spcAft>
+                <a:spcPts val="0"/>
+              </a:spcAft>
+              <a:buClr>
+                <a:schemeClr val="lt1"/>
+              </a:buClr>
+              <a:buSzPts val="2000"/>
+              <a:buAutoNum type="arabicPeriod"/>
+            </a:pPr>
+            <a:r>
+              <a:rPr lang="ru">
+                <a:solidFill>
+                  <a:schemeClr val="lt1"/>
+                </a:solidFill>
+              </a:rPr>
+              <a:t>Обработка входных данных</a:t>
+            </a:r>
+            <a:endParaRPr>
+              <a:solidFill>
+                <a:schemeClr val="lt1"/>
+              </a:solidFill>
+            </a:endParaRPr>
+          </a:p>
+          <a:p>
+            <a:pPr indent="-355600" lvl="0" marL="457200" rtl="0" algn="l">
+              <a:lnSpc>
+                <a:spcPct val="115000"/>
+              </a:lnSpc>
+              <a:spcBef>
+                <a:spcPts val="0"/>
+              </a:spcBef>
+              <a:spcAft>
+                <a:spcPts val="0"/>
+              </a:spcAft>
+              <a:buClr>
+                <a:schemeClr val="lt1"/>
+              </a:buClr>
+              <a:buSzPts val="2000"/>
+              <a:buAutoNum type="arabicPeriod"/>
+            </a:pPr>
+            <a:r>
+              <a:rPr lang="ru">
+                <a:solidFill>
+                  <a:schemeClr val="lt1"/>
+                </a:solidFill>
+              </a:rPr>
+              <a:t>Вывод финального</a:t>
+            </a:r>
+            <a:endParaRPr>
+              <a:solidFill>
+                <a:schemeClr val="lt1"/>
+              </a:solidFill>
+            </a:endParaRPr>
+          </a:p>
+          <a:p>
+            <a:pPr indent="0" lvl="0" marL="457200" rtl="0" algn="l">
+              <a:lnSpc>
+                <a:spcPct val="50000"/>
+              </a:lnSpc>
+              <a:spcBef>
+                <a:spcPts val="1200"/>
+              </a:spcBef>
+              <a:spcAft>
+                <a:spcPts val="1200"/>
+              </a:spcAft>
+              <a:buNone/>
+            </a:pPr>
+            <a:r>
+              <a:rPr lang="ru">
+                <a:solidFill>
+                  <a:schemeClr val="lt1"/>
+                </a:solidFill>
+              </a:rPr>
+              <a:t>результата</a:t>
+            </a:r>
+            <a:endParaRPr>
+              <a:solidFill>
+                <a:schemeClr val="lt1"/>
+              </a:solidFill>
+            </a:endParaRPr>
+          </a:p>
+        </p:txBody>
+      </p:sp>
       <p:pic>
         <p:nvPicPr>
           <p:cNvPr id="124" name="Google Shape;124;p22"/>
@@ -7074,8 +7339,8 @@
         </p:blipFill>
         <p:spPr>
           <a:xfrm>
-            <a:off x="501100" y="144700"/>
-            <a:ext cx="8068751" cy="4854100"/>
+            <a:off x="4572000" y="2619300"/>
+            <a:ext cx="4296325" cy="2169575"/>
           </a:xfrm>
           <a:prstGeom prst="rect">
             <a:avLst/>
@@ -8503,7 +8768,7 @@
           </a:bodyPr>
           <a:lstStyle/>
           <a:p>
-            <a:pPr indent="0" lvl="0" marL="457200" rtl="0" algn="l">
+            <a:pPr indent="0" lvl="0" marL="457200" rtl="0" algn="just">
               <a:spcBef>
                 <a:spcPts val="0"/>
               </a:spcBef>
@@ -8513,14 +8778,14 @@
               <a:buNone/>
             </a:pPr>
             <a:r>
-              <a:rPr b="1" lang="ru" sz="2800">
+              <a:rPr lang="ru" sz="2800">
                 <a:solidFill>
                   <a:schemeClr val="lt1"/>
                 </a:solidFill>
               </a:rPr>
-              <a:t>Создать программу для распознавания лиц людей из нашей школы</a:t>
+              <a:t>Создать программу для распознавания лиц людей из нашей школы, а также отмечать посещаемость уроков учениками, с помощью этой программы.</a:t>
             </a:r>
-            <a:endParaRPr b="1" sz="2800">
+            <a:endParaRPr sz="2800">
               <a:solidFill>
                 <a:schemeClr val="lt1"/>
               </a:solidFill>
@@ -8544,8 +8809,8 @@
         </p:blipFill>
         <p:spPr>
           <a:xfrm>
-            <a:off x="4627503" y="2159625"/>
-            <a:ext cx="3819426" cy="2571751"/>
+            <a:off x="5693000" y="2891075"/>
+            <a:ext cx="2971974" cy="2001149"/>
           </a:xfrm>
           <a:prstGeom prst="rect">
             <a:avLst/>
@@ -9697,274 +9962,9 @@
           <a:chExt cx="0" cy="0"/>
         </a:xfrm>
       </p:grpSpPr>
-      <p:sp>
-        <p:nvSpPr>
-          <p:cNvPr id="117" name="Google Shape;117;p21"/>
-          <p:cNvSpPr txBox="1"/>
-          <p:nvPr>
-            <p:ph type="title"/>
-          </p:nvPr>
-        </p:nvSpPr>
-        <p:spPr>
-          <a:xfrm>
-            <a:off x="311700" y="166400"/>
-            <a:ext cx="8520600" cy="572700"/>
-          </a:xfrm>
-          <a:prstGeom prst="rect">
-            <a:avLst/>
-          </a:prstGeom>
-        </p:spPr>
-        <p:txBody>
-          <a:bodyPr anchorCtr="0" anchor="t" bIns="91425" lIns="91425" spcFirstLastPara="1" rIns="91425" wrap="square" tIns="91425">
-            <a:noAutofit/>
-          </a:bodyPr>
-          <a:lstStyle/>
-          <a:p>
-            <a:pPr indent="0" lvl="0" marL="0" rtl="0" algn="l">
-              <a:spcBef>
-                <a:spcPts val="0"/>
-              </a:spcBef>
-              <a:spcAft>
-                <a:spcPts val="0"/>
-              </a:spcAft>
-              <a:buSzPts val="990"/>
-              <a:buNone/>
-            </a:pPr>
-            <a:r>
-              <a:rPr lang="ru" sz="4011">
-                <a:solidFill>
-                  <a:schemeClr val="lt1"/>
-                </a:solidFill>
-              </a:rPr>
-              <a:t>Этапы в создании нейросети </a:t>
-            </a:r>
-            <a:endParaRPr sz="4011">
-              <a:solidFill>
-                <a:schemeClr val="lt1"/>
-              </a:solidFill>
-            </a:endParaRPr>
-          </a:p>
-          <a:p>
-            <a:pPr indent="0" lvl="0" marL="0" rtl="0" algn="l">
-              <a:spcBef>
-                <a:spcPts val="0"/>
-              </a:spcBef>
-              <a:spcAft>
-                <a:spcPts val="0"/>
-              </a:spcAft>
-              <a:buNone/>
-            </a:pPr>
-            <a:r>
-              <a:t/>
-            </a:r>
-            <a:endParaRPr sz="4011">
-              <a:solidFill>
-                <a:schemeClr val="lt1"/>
-              </a:solidFill>
-            </a:endParaRPr>
-          </a:p>
-        </p:txBody>
-      </p:sp>
-      <p:sp>
-        <p:nvSpPr>
-          <p:cNvPr id="118" name="Google Shape;118;p21"/>
-          <p:cNvSpPr txBox="1"/>
-          <p:nvPr>
-            <p:ph idx="1" type="body"/>
-          </p:nvPr>
-        </p:nvSpPr>
-        <p:spPr>
-          <a:xfrm>
-            <a:off x="311700" y="983600"/>
-            <a:ext cx="8884200" cy="3416400"/>
-          </a:xfrm>
-          <a:prstGeom prst="rect">
-            <a:avLst/>
-          </a:prstGeom>
-        </p:spPr>
-        <p:txBody>
-          <a:bodyPr anchorCtr="0" anchor="t" bIns="91425" lIns="91425" spcFirstLastPara="1" rIns="91425" wrap="square" tIns="91425">
-            <a:normAutofit/>
-          </a:bodyPr>
-          <a:lstStyle/>
-          <a:p>
-            <a:pPr indent="-355600" lvl="0" marL="457200" rtl="0" algn="l">
-              <a:spcBef>
-                <a:spcPts val="0"/>
-              </a:spcBef>
-              <a:spcAft>
-                <a:spcPts val="0"/>
-              </a:spcAft>
-              <a:buClr>
-                <a:schemeClr val="lt1"/>
-              </a:buClr>
-              <a:buSzPts val="2000"/>
-              <a:buAutoNum type="arabicPeriod"/>
-            </a:pPr>
-            <a:r>
-              <a:rPr lang="ru">
-                <a:solidFill>
-                  <a:schemeClr val="lt1"/>
-                </a:solidFill>
-              </a:rPr>
-              <a:t>Сбор и модификация данных для обучения</a:t>
-            </a:r>
-            <a:endParaRPr>
-              <a:solidFill>
-                <a:schemeClr val="lt1"/>
-              </a:solidFill>
-            </a:endParaRPr>
-          </a:p>
-          <a:p>
-            <a:pPr indent="-355600" lvl="0" marL="457200" rtl="0" algn="l">
-              <a:spcBef>
-                <a:spcPts val="0"/>
-              </a:spcBef>
-              <a:spcAft>
-                <a:spcPts val="0"/>
-              </a:spcAft>
-              <a:buClr>
-                <a:schemeClr val="lt1"/>
-              </a:buClr>
-              <a:buSzPts val="2000"/>
-              <a:buAutoNum type="arabicPeriod"/>
-            </a:pPr>
-            <a:r>
-              <a:rPr lang="ru">
-                <a:solidFill>
-                  <a:schemeClr val="lt1"/>
-                </a:solidFill>
-              </a:rPr>
-              <a:t>Создание датасета</a:t>
-            </a:r>
-            <a:endParaRPr>
-              <a:solidFill>
-                <a:schemeClr val="lt1"/>
-              </a:solidFill>
-            </a:endParaRPr>
-          </a:p>
-          <a:p>
-            <a:pPr indent="-355600" lvl="0" marL="457200" rtl="0" algn="l">
-              <a:spcBef>
-                <a:spcPts val="0"/>
-              </a:spcBef>
-              <a:spcAft>
-                <a:spcPts val="0"/>
-              </a:spcAft>
-              <a:buClr>
-                <a:schemeClr val="lt1"/>
-              </a:buClr>
-              <a:buSzPts val="2000"/>
-              <a:buAutoNum type="arabicPeriod"/>
-            </a:pPr>
-            <a:r>
-              <a:rPr lang="ru">
-                <a:solidFill>
-                  <a:schemeClr val="lt1"/>
-                </a:solidFill>
-              </a:rPr>
-              <a:t>Обучение нейросети</a:t>
-            </a:r>
-            <a:endParaRPr>
-              <a:solidFill>
-                <a:schemeClr val="lt1"/>
-              </a:solidFill>
-            </a:endParaRPr>
-          </a:p>
-          <a:p>
-            <a:pPr indent="-355600" lvl="0" marL="457200" rtl="0" algn="l">
-              <a:lnSpc>
-                <a:spcPct val="115000"/>
-              </a:lnSpc>
-              <a:spcBef>
-                <a:spcPts val="0"/>
-              </a:spcBef>
-              <a:spcAft>
-                <a:spcPts val="0"/>
-              </a:spcAft>
-              <a:buClr>
-                <a:schemeClr val="lt1"/>
-              </a:buClr>
-              <a:buSzPts val="2000"/>
-              <a:buAutoNum type="arabicPeriod"/>
-            </a:pPr>
-            <a:r>
-              <a:rPr lang="ru">
-                <a:solidFill>
-                  <a:schemeClr val="lt1"/>
-                </a:solidFill>
-              </a:rPr>
-              <a:t>Обработка входных данных</a:t>
-            </a:r>
-            <a:endParaRPr>
-              <a:solidFill>
-                <a:schemeClr val="lt1"/>
-              </a:solidFill>
-            </a:endParaRPr>
-          </a:p>
-          <a:p>
-            <a:pPr indent="-355600" lvl="0" marL="457200" rtl="0" algn="l">
-              <a:lnSpc>
-                <a:spcPct val="115000"/>
-              </a:lnSpc>
-              <a:spcBef>
-                <a:spcPts val="0"/>
-              </a:spcBef>
-              <a:spcAft>
-                <a:spcPts val="0"/>
-              </a:spcAft>
-              <a:buClr>
-                <a:schemeClr val="lt1"/>
-              </a:buClr>
-              <a:buSzPts val="2000"/>
-              <a:buAutoNum type="arabicPeriod"/>
-            </a:pPr>
-            <a:r>
-              <a:rPr lang="ru">
-                <a:solidFill>
-                  <a:schemeClr val="lt1"/>
-                </a:solidFill>
-              </a:rPr>
-              <a:t>Вывод финального</a:t>
-            </a:r>
-            <a:endParaRPr>
-              <a:solidFill>
-                <a:schemeClr val="lt1"/>
-              </a:solidFill>
-            </a:endParaRPr>
-          </a:p>
-          <a:p>
-            <a:pPr indent="0" lvl="0" marL="457200" rtl="0" algn="l">
-              <a:lnSpc>
-                <a:spcPct val="50000"/>
-              </a:lnSpc>
-              <a:spcBef>
-                <a:spcPts val="1200"/>
-              </a:spcBef>
-              <a:spcAft>
-                <a:spcPts val="1200"/>
-              </a:spcAft>
-              <a:buNone/>
-            </a:pPr>
-            <a:r>
-              <a:rPr lang="ru">
-                <a:solidFill>
-                  <a:schemeClr val="lt1"/>
-                </a:solidFill>
-              </a:rPr>
-              <a:t>результата</a:t>
-            </a:r>
-            <a:endParaRPr>
-              <a:solidFill>
-                <a:schemeClr val="lt1"/>
-              </a:solidFill>
-            </a:endParaRPr>
-          </a:p>
-        </p:txBody>
-      </p:sp>
       <p:pic>
         <p:nvPicPr>
-          <p:cNvPr id="119" name="Google Shape;119;p21"/>
+          <p:cNvPr id="117" name="Google Shape;117;p21"/>
           <p:cNvPicPr preferRelativeResize="0"/>
           <p:nvPr/>
         </p:nvPicPr>
@@ -9978,8 +9978,8 @@
         </p:blipFill>
         <p:spPr>
           <a:xfrm>
-            <a:off x="4572000" y="2619300"/>
-            <a:ext cx="4296325" cy="2169575"/>
+            <a:off x="501100" y="144700"/>
+            <a:ext cx="8068751" cy="4854100"/>
           </a:xfrm>
           <a:prstGeom prst="rect">
             <a:avLst/>
